--- a/PICTURES&GRAPHS/GRAPHS/Supplementary/Plots.pptx
+++ b/PICTURES&GRAPHS/GRAPHS/Supplementary/Plots.pptx
@@ -6,6 +6,7 @@
   </p:sldMasterIdLst>
   <p:sldIdLst>
     <p:sldId id="256" r:id="rId2"/>
+    <p:sldId id="257" r:id="rId3"/>
   </p:sldIdLst>
   <p:sldSz cx="6858000" cy="9906000" type="A4"/>
   <p:notesSz cx="6858000" cy="9144000"/>
@@ -112,6 +113,75 @@
 </p:presentation>
 </file>
 
+<file path=ppt/revisionInfo.xml><?xml version="1.0" encoding="utf-8"?>
+<p1510:revInfo xmlns:a="http://schemas.openxmlformats.org/drawingml/2006/main" xmlns:r="http://schemas.openxmlformats.org/officeDocument/2006/relationships" xmlns:p1510="http://schemas.microsoft.com/office/powerpoint/2015/10/main">
+  <p1510:revLst>
+    <p1510:client id="{B605E2DB-C140-CB40-9ED9-2EB828AA0B0C}" v="3" dt="2025-10-25T07:51:42.435"/>
+  </p1510:revLst>
+</p1510:revInfo>
+</file>
+
+<file path=ppt/changesInfos/changesInfo1.xml><?xml version="1.0" encoding="utf-8"?>
+<pc:chgInfo xmlns:a="http://schemas.openxmlformats.org/drawingml/2006/main" xmlns:r="http://schemas.openxmlformats.org/officeDocument/2006/relationships" xmlns:ac="http://schemas.microsoft.com/office/drawing/2013/main/command" xmlns:pc="http://schemas.microsoft.com/office/powerpoint/2013/main/command">
+  <pc:docChgLst>
+    <pc:chgData name="Lisa Fontana" userId="d098ba01-854d-44b8-9c20-d0052b1f3069" providerId="ADAL" clId="{9AA7ED61-A3C6-5667-B4BE-2E1100671C19}"/>
+    <pc:docChg chg="custSel addSld modSld">
+      <pc:chgData name="Lisa Fontana" userId="d098ba01-854d-44b8-9c20-d0052b1f3069" providerId="ADAL" clId="{9AA7ED61-A3C6-5667-B4BE-2E1100671C19}" dt="2025-10-25T07:52:00.914" v="13" actId="255"/>
+      <pc:docMkLst>
+        <pc:docMk/>
+      </pc:docMkLst>
+      <pc:sldChg chg="addSp delSp modSp new mod">
+        <pc:chgData name="Lisa Fontana" userId="d098ba01-854d-44b8-9c20-d0052b1f3069" providerId="ADAL" clId="{9AA7ED61-A3C6-5667-B4BE-2E1100671C19}" dt="2025-10-25T07:52:00.914" v="13" actId="255"/>
+        <pc:sldMkLst>
+          <pc:docMk/>
+          <pc:sldMk cId="4047707375" sldId="257"/>
+        </pc:sldMkLst>
+        <pc:spChg chg="del">
+          <ac:chgData name="Lisa Fontana" userId="d098ba01-854d-44b8-9c20-d0052b1f3069" providerId="ADAL" clId="{9AA7ED61-A3C6-5667-B4BE-2E1100671C19}" dt="2025-10-25T07:51:06.906" v="1" actId="478"/>
+          <ac:spMkLst>
+            <pc:docMk/>
+            <pc:sldMk cId="4047707375" sldId="257"/>
+            <ac:spMk id="2" creationId="{85E724BF-81C7-B417-57F3-67177D8BC46F}"/>
+          </ac:spMkLst>
+        </pc:spChg>
+        <pc:spChg chg="del mod">
+          <ac:chgData name="Lisa Fontana" userId="d098ba01-854d-44b8-9c20-d0052b1f3069" providerId="ADAL" clId="{9AA7ED61-A3C6-5667-B4BE-2E1100671C19}" dt="2025-10-25T07:51:10.164" v="3" actId="478"/>
+          <ac:spMkLst>
+            <pc:docMk/>
+            <pc:sldMk cId="4047707375" sldId="257"/>
+            <ac:spMk id="3" creationId="{D68CF437-CBC3-728C-8F8D-1AF21676118C}"/>
+          </ac:spMkLst>
+        </pc:spChg>
+        <pc:spChg chg="add mod">
+          <ac:chgData name="Lisa Fontana" userId="d098ba01-854d-44b8-9c20-d0052b1f3069" providerId="ADAL" clId="{9AA7ED61-A3C6-5667-B4BE-2E1100671C19}" dt="2025-10-25T07:52:00.914" v="13" actId="255"/>
+          <ac:spMkLst>
+            <pc:docMk/>
+            <pc:sldMk cId="4047707375" sldId="257"/>
+            <ac:spMk id="6" creationId="{3D6C668F-E14D-40E2-A8F4-97C70EBC110F}"/>
+          </ac:spMkLst>
+        </pc:spChg>
+        <pc:spChg chg="add mod">
+          <ac:chgData name="Lisa Fontana" userId="d098ba01-854d-44b8-9c20-d0052b1f3069" providerId="ADAL" clId="{9AA7ED61-A3C6-5667-B4BE-2E1100671C19}" dt="2025-10-25T07:51:48.299" v="12" actId="1076"/>
+          <ac:spMkLst>
+            <pc:docMk/>
+            <pc:sldMk cId="4047707375" sldId="257"/>
+            <ac:spMk id="7" creationId="{B03BD549-613E-0A9A-C905-50DC9C2094A9}"/>
+          </ac:spMkLst>
+        </pc:spChg>
+        <pc:picChg chg="add mod">
+          <ac:chgData name="Lisa Fontana" userId="d098ba01-854d-44b8-9c20-d0052b1f3069" providerId="ADAL" clId="{9AA7ED61-A3C6-5667-B4BE-2E1100671C19}" dt="2025-10-25T07:51:31.916" v="9" actId="1076"/>
+          <ac:picMkLst>
+            <pc:docMk/>
+            <pc:sldMk cId="4047707375" sldId="257"/>
+            <ac:picMk id="5" creationId="{A6483DC9-39CA-4F26-0D68-762318D4F5B6}"/>
+          </ac:picMkLst>
+        </pc:picChg>
+      </pc:sldChg>
+    </pc:docChg>
+  </pc:docChgLst>
+</pc:chgInfo>
+</file>
+
 <file path=ppt/slideLayouts/slideLayout1.xml><?xml version="1.0" encoding="utf-8"?>
 <p:sldLayout xmlns:a="http://schemas.openxmlformats.org/drawingml/2006/main" xmlns:r="http://schemas.openxmlformats.org/officeDocument/2006/relationships" xmlns:p="http://schemas.openxmlformats.org/presentationml/2006/main" type="title" preserve="1">
   <p:cSld name="Title Slide">
@@ -243,7 +313,7 @@
           <a:p>
             <a:fld id="{2E3AE5E7-ACBB-3E45-987F-FAC0666CFCB0}" type="datetimeFigureOut">
               <a:rPr lang="en-US" smtClean="0"/>
-              <a:t>4/25/25</a:t>
+              <a:t>10/25/25</a:t>
             </a:fld>
             <a:endParaRPr lang="en-US"/>
           </a:p>
@@ -413,7 +483,7 @@
           <a:p>
             <a:fld id="{2E3AE5E7-ACBB-3E45-987F-FAC0666CFCB0}" type="datetimeFigureOut">
               <a:rPr lang="en-US" smtClean="0"/>
-              <a:t>4/25/25</a:t>
+              <a:t>10/25/25</a:t>
             </a:fld>
             <a:endParaRPr lang="en-US"/>
           </a:p>
@@ -593,7 +663,7 @@
           <a:p>
             <a:fld id="{2E3AE5E7-ACBB-3E45-987F-FAC0666CFCB0}" type="datetimeFigureOut">
               <a:rPr lang="en-US" smtClean="0"/>
-              <a:t>4/25/25</a:t>
+              <a:t>10/25/25</a:t>
             </a:fld>
             <a:endParaRPr lang="en-US"/>
           </a:p>
@@ -763,7 +833,7 @@
           <a:p>
             <a:fld id="{2E3AE5E7-ACBB-3E45-987F-FAC0666CFCB0}" type="datetimeFigureOut">
               <a:rPr lang="en-US" smtClean="0"/>
-              <a:t>4/25/25</a:t>
+              <a:t>10/25/25</a:t>
             </a:fld>
             <a:endParaRPr lang="en-US"/>
           </a:p>
@@ -1009,7 +1079,7 @@
           <a:p>
             <a:fld id="{2E3AE5E7-ACBB-3E45-987F-FAC0666CFCB0}" type="datetimeFigureOut">
               <a:rPr lang="en-US" smtClean="0"/>
-              <a:t>4/25/25</a:t>
+              <a:t>10/25/25</a:t>
             </a:fld>
             <a:endParaRPr lang="en-US"/>
           </a:p>
@@ -1241,7 +1311,7 @@
           <a:p>
             <a:fld id="{2E3AE5E7-ACBB-3E45-987F-FAC0666CFCB0}" type="datetimeFigureOut">
               <a:rPr lang="en-US" smtClean="0"/>
-              <a:t>4/25/25</a:t>
+              <a:t>10/25/25</a:t>
             </a:fld>
             <a:endParaRPr lang="en-US"/>
           </a:p>
@@ -1608,7 +1678,7 @@
           <a:p>
             <a:fld id="{2E3AE5E7-ACBB-3E45-987F-FAC0666CFCB0}" type="datetimeFigureOut">
               <a:rPr lang="en-US" smtClean="0"/>
-              <a:t>4/25/25</a:t>
+              <a:t>10/25/25</a:t>
             </a:fld>
             <a:endParaRPr lang="en-US"/>
           </a:p>
@@ -1726,7 +1796,7 @@
           <a:p>
             <a:fld id="{2E3AE5E7-ACBB-3E45-987F-FAC0666CFCB0}" type="datetimeFigureOut">
               <a:rPr lang="en-US" smtClean="0"/>
-              <a:t>4/25/25</a:t>
+              <a:t>10/25/25</a:t>
             </a:fld>
             <a:endParaRPr lang="en-US"/>
           </a:p>
@@ -1821,7 +1891,7 @@
           <a:p>
             <a:fld id="{2E3AE5E7-ACBB-3E45-987F-FAC0666CFCB0}" type="datetimeFigureOut">
               <a:rPr lang="en-US" smtClean="0"/>
-              <a:t>4/25/25</a:t>
+              <a:t>10/25/25</a:t>
             </a:fld>
             <a:endParaRPr lang="en-US"/>
           </a:p>
@@ -2098,7 +2168,7 @@
           <a:p>
             <a:fld id="{2E3AE5E7-ACBB-3E45-987F-FAC0666CFCB0}" type="datetimeFigureOut">
               <a:rPr lang="en-US" smtClean="0"/>
-              <a:t>4/25/25</a:t>
+              <a:t>10/25/25</a:t>
             </a:fld>
             <a:endParaRPr lang="en-US"/>
           </a:p>
@@ -2355,7 +2425,7 @@
           <a:p>
             <a:fld id="{2E3AE5E7-ACBB-3E45-987F-FAC0666CFCB0}" type="datetimeFigureOut">
               <a:rPr lang="en-US" smtClean="0"/>
-              <a:t>4/25/25</a:t>
+              <a:t>10/25/25</a:t>
             </a:fld>
             <a:endParaRPr lang="en-US"/>
           </a:p>
@@ -2568,7 +2638,7 @@
           <a:p>
             <a:fld id="{2E3AE5E7-ACBB-3E45-987F-FAC0666CFCB0}" type="datetimeFigureOut">
               <a:rPr lang="en-US" smtClean="0"/>
-              <a:t>4/25/25</a:t>
+              <a:t>10/25/25</a:t>
             </a:fld>
             <a:endParaRPr lang="en-US"/>
           </a:p>
@@ -3502,6 +3572,136 @@
 </p:sld>
 </file>
 
+<file path=ppt/slides/slide2.xml><?xml version="1.0" encoding="utf-8"?>
+<p:sld xmlns:a="http://schemas.openxmlformats.org/drawingml/2006/main" xmlns:r="http://schemas.openxmlformats.org/officeDocument/2006/relationships" xmlns:p="http://schemas.openxmlformats.org/presentationml/2006/main">
+  <p:cSld>
+    <p:spTree>
+      <p:nvGrpSpPr>
+        <p:cNvPr id="1" name=""/>
+        <p:cNvGrpSpPr/>
+        <p:nvPr/>
+      </p:nvGrpSpPr>
+      <p:grpSpPr>
+        <a:xfrm>
+          <a:off x="0" y="0"/>
+          <a:ext cx="0" cy="0"/>
+          <a:chOff x="0" y="0"/>
+          <a:chExt cx="0" cy="0"/>
+        </a:xfrm>
+      </p:grpSpPr>
+      <p:pic>
+        <p:nvPicPr>
+          <p:cNvPr id="5" name="Picture 4" descr="A group of graphs showing different types of indicators&#10;&#10;AI-generated content may be incorrect.">
+            <a:extLst>
+              <a:ext uri="{FF2B5EF4-FFF2-40B4-BE49-F238E27FC236}">
+                <a16:creationId xmlns:a16="http://schemas.microsoft.com/office/drawing/2014/main" id="{A6483DC9-39CA-4F26-0D68-762318D4F5B6}"/>
+              </a:ext>
+            </a:extLst>
+          </p:cNvPr>
+          <p:cNvPicPr>
+            <a:picLocks noChangeAspect="1"/>
+          </p:cNvPicPr>
+          <p:nvPr/>
+        </p:nvPicPr>
+        <p:blipFill>
+          <a:blip r:embed="rId2"/>
+          <a:stretch>
+            <a:fillRect/>
+          </a:stretch>
+        </p:blipFill>
+        <p:spPr>
+          <a:xfrm>
+            <a:off x="0" y="0"/>
+            <a:ext cx="6871781" cy="4084836"/>
+          </a:xfrm>
+          <a:prstGeom prst="rect">
+            <a:avLst/>
+          </a:prstGeom>
+        </p:spPr>
+      </p:pic>
+      <p:sp>
+        <p:nvSpPr>
+          <p:cNvPr id="6" name="TextBox 5">
+            <a:extLst>
+              <a:ext uri="{FF2B5EF4-FFF2-40B4-BE49-F238E27FC236}">
+                <a16:creationId xmlns:a16="http://schemas.microsoft.com/office/drawing/2014/main" id="{3D6C668F-E14D-40E2-A8F4-97C70EBC110F}"/>
+              </a:ext>
+            </a:extLst>
+          </p:cNvPr>
+          <p:cNvSpPr txBox="1"/>
+          <p:nvPr/>
+        </p:nvSpPr>
+        <p:spPr>
+          <a:xfrm>
+            <a:off x="-31805" y="-77211"/>
+            <a:ext cx="222637" cy="276999"/>
+          </a:xfrm>
+          <a:prstGeom prst="rect">
+            <a:avLst/>
+          </a:prstGeom>
+          <a:noFill/>
+        </p:spPr>
+        <p:txBody>
+          <a:bodyPr wrap="square" rtlCol="0">
+            <a:spAutoFit/>
+          </a:bodyPr>
+          <a:lstStyle/>
+          <a:p>
+            <a:r>
+              <a:rPr lang="en-US" sz="1200" dirty="0"/>
+              <a:t>A</a:t>
+            </a:r>
+          </a:p>
+        </p:txBody>
+      </p:sp>
+      <p:sp>
+        <p:nvSpPr>
+          <p:cNvPr id="7" name="TextBox 6">
+            <a:extLst>
+              <a:ext uri="{FF2B5EF4-FFF2-40B4-BE49-F238E27FC236}">
+                <a16:creationId xmlns:a16="http://schemas.microsoft.com/office/drawing/2014/main" id="{B03BD549-613E-0A9A-C905-50DC9C2094A9}"/>
+              </a:ext>
+            </a:extLst>
+          </p:cNvPr>
+          <p:cNvSpPr txBox="1"/>
+          <p:nvPr/>
+        </p:nvSpPr>
+        <p:spPr>
+          <a:xfrm>
+            <a:off x="3197351" y="-75245"/>
+            <a:ext cx="222637" cy="307777"/>
+          </a:xfrm>
+          <a:prstGeom prst="rect">
+            <a:avLst/>
+          </a:prstGeom>
+          <a:noFill/>
+        </p:spPr>
+        <p:txBody>
+          <a:bodyPr wrap="square" rtlCol="0">
+            <a:spAutoFit/>
+          </a:bodyPr>
+          <a:lstStyle/>
+          <a:p>
+            <a:r>
+              <a:rPr lang="en-US" sz="1400" dirty="0"/>
+              <a:t>A</a:t>
+            </a:r>
+          </a:p>
+        </p:txBody>
+      </p:sp>
+    </p:spTree>
+    <p:extLst>
+      <p:ext uri="{BB962C8B-B14F-4D97-AF65-F5344CB8AC3E}">
+        <p14:creationId xmlns:p14="http://schemas.microsoft.com/office/powerpoint/2010/main" val="4047707375"/>
+      </p:ext>
+    </p:extLst>
+  </p:cSld>
+  <p:clrMapOvr>
+    <a:masterClrMapping/>
+  </p:clrMapOvr>
+</p:sld>
+</file>
+
 <file path=ppt/theme/theme1.xml><?xml version="1.0" encoding="utf-8"?>
 <a:theme xmlns:a="http://schemas.openxmlformats.org/drawingml/2006/main" name="Office Theme">
   <a:themeElements>
